--- a/NYC Airbnb and Restaurant ETL Project.pptx
+++ b/NYC Airbnb and Restaurant ETL Project.pptx
@@ -107,6 +107,11 @@
       </a:defRPr>
     </a:lvl9pPr>
   </p:defaultTextStyle>
+  <p:extLst>
+    <p:ext uri="{EFAFB233-063F-42B5-8137-9DF3F51BA10A}">
+      <p15:sldGuideLst xmlns:p15="http://schemas.microsoft.com/office/powerpoint/2012/main"/>
+    </p:ext>
+  </p:extLst>
 </p:presentation>
 </file>
 
@@ -3681,36 +3686,52 @@
           <a:p>
             <a:r>
               <a:rPr lang="en-US" dirty="0"/>
-              <a:t>Load data into </a:t>
+              <a:t>Load</a:t>
+            </a:r>
+          </a:p>
+        </p:txBody>
+      </p:sp>
+      <p:sp>
+        <p:nvSpPr>
+          <p:cNvPr id="3" name="Content Placeholder 2">
+            <a:extLst>
+              <a:ext uri="{FF2B5EF4-FFF2-40B4-BE49-F238E27FC236}">
+                <a16:creationId xmlns:a16="http://schemas.microsoft.com/office/drawing/2014/main" id="{6ACD8E5E-C14C-45AF-A3DA-986C34B9EF86}"/>
+              </a:ext>
+            </a:extLst>
+          </p:cNvPr>
+          <p:cNvSpPr>
+            <a:spLocks noGrp="1"/>
+          </p:cNvSpPr>
+          <p:nvPr>
+            <p:ph idx="1"/>
+          </p:nvPr>
+        </p:nvSpPr>
+        <p:spPr/>
+        <p:txBody>
+          <a:bodyPr/>
+          <a:lstStyle/>
+          <a:p>
+            <a:r>
+              <a:rPr lang="en-US" dirty="0"/>
+              <a:t>Loaded combined relational database into </a:t>
             </a:r>
             <a:r>
               <a:rPr lang="en-US" dirty="0" err="1"/>
-              <a:t>postgresql</a:t>
+              <a:t>Postgresql</a:t>
             </a:r>
             <a:endParaRPr lang="en-US" dirty="0"/>
           </a:p>
-        </p:txBody>
-      </p:sp>
-      <p:sp>
-        <p:nvSpPr>
-          <p:cNvPr id="3" name="Content Placeholder 2">
-            <a:extLst>
-              <a:ext uri="{FF2B5EF4-FFF2-40B4-BE49-F238E27FC236}">
-                <a16:creationId xmlns:a16="http://schemas.microsoft.com/office/drawing/2014/main" id="{6ACD8E5E-C14C-45AF-A3DA-986C34B9EF86}"/>
-              </a:ext>
-            </a:extLst>
-          </p:cNvPr>
-          <p:cNvSpPr>
-            <a:spLocks noGrp="1"/>
-          </p:cNvSpPr>
-          <p:nvPr>
-            <p:ph idx="1"/>
-          </p:nvPr>
-        </p:nvSpPr>
-        <p:spPr/>
-        <p:txBody>
-          <a:bodyPr/>
-          <a:lstStyle/>
+          <a:p>
+            <a:r>
+              <a:rPr lang="en-US" dirty="0" err="1"/>
+              <a:t>Postgresql</a:t>
+            </a:r>
+            <a:r>
+              <a:rPr lang="en-US" dirty="0"/>
+              <a:t> was a natural fit for a relational database with csv files.</a:t>
+            </a:r>
+          </a:p>
           <a:p>
             <a:endParaRPr lang="en-US" dirty="0"/>
           </a:p>
